--- a/media/data_asset_en.pptx
+++ b/media/data_asset_en.pptx
@@ -225,7 +225,7 @@
           <a:p>
             <a:fld id="{47277FB0-21EC-48C5-90B0-184600466A6C}" type="datetimeFigureOut">
               <a:rPr lang="zh-CN" altLang="en-US" smtClean="0"/>
-              <a:t>2019/5/6</a:t>
+              <a:t>2019/5/22</a:t>
             </a:fld>
             <a:endParaRPr lang="zh-CN" altLang="en-US"/>
           </a:p>
@@ -390,7 +390,7 @@
           <a:p>
             <a:fld id="{9C967889-4715-5C4F-A252-FFC716185AB6}" type="datetimeFigureOut">
               <a:rPr lang="en-US" smtClean="0"/>
-              <a:t>5/6/2019</a:t>
+              <a:t>5/22/2019</a:t>
             </a:fld>
             <a:endParaRPr lang="en-US"/>
           </a:p>
@@ -16857,7 +16857,7 @@
             <p:spPr>
               <a:xfrm>
                 <a:off x="7951626" y="3494491"/>
-                <a:ext cx="1134670" cy="230832"/>
+                <a:ext cx="1134670" cy="273786"/>
               </a:xfrm>
               <a:prstGeom prst="rect">
                 <a:avLst/>
@@ -16879,7 +16879,7 @@
                     <a:latin typeface="Arial" panose="020B0604020202020204" pitchFamily="34" charset="0"/>
                     <a:cs typeface="Arial" panose="020B0604020202020204" pitchFamily="34" charset="0"/>
                   </a:rPr>
-                  <a:t>Redis</a:t>
+                  <a:t>IMDB</a:t>
                 </a:r>
               </a:p>
             </p:txBody>
@@ -17934,21 +17934,29 @@
                 <a:tabLst/>
               </a:pPr>
               <a:r>
-                <a:rPr kumimoji="0" lang="en-US" altLang="zh-CN" sz="1200" b="0" i="0" u="none" strike="noStrike" cap="none" spc="0" normalizeH="0" baseline="0" dirty="0">
-                  <a:ln>
-                    <a:noFill/>
-                  </a:ln>
+                <a:rPr lang="en-US" altLang="zh-CN" sz="1200" dirty="0">
                   <a:solidFill>
                     <a:srgbClr val="000000"/>
                   </a:solidFill>
-                  <a:effectLst/>
-                  <a:uFillTx/>
                   <a:latin typeface="Arial" panose="020B0604020202020204" pitchFamily="34" charset="0"/>
                   <a:cs typeface="Arial" panose="020B0604020202020204" pitchFamily="34" charset="0"/>
                   <a:sym typeface="等线"/>
                 </a:rPr>
-                <a:t>Storage Policy</a:t>
+                <a:t>Data Archiving</a:t>
               </a:r>
+              <a:endParaRPr kumimoji="0" lang="en-US" altLang="zh-CN" sz="1200" b="0" i="0" u="none" strike="noStrike" cap="none" spc="0" normalizeH="0" baseline="0" dirty="0">
+                <a:ln>
+                  <a:noFill/>
+                </a:ln>
+                <a:solidFill>
+                  <a:srgbClr val="000000"/>
+                </a:solidFill>
+                <a:effectLst/>
+                <a:uFillTx/>
+                <a:latin typeface="Arial" panose="020B0604020202020204" pitchFamily="34" charset="0"/>
+                <a:cs typeface="Arial" panose="020B0604020202020204" pitchFamily="34" charset="0"/>
+                <a:sym typeface="等线"/>
+              </a:endParaRPr>
             </a:p>
             <a:p>
               <a:pPr marL="0" marR="0" indent="0" algn="l" defTabSz="914400" rtl="0" fontAlgn="auto" latinLnBrk="0" hangingPunct="0">
